--- a/How to feed a hungry pack of Raptors.pptx
+++ b/How to feed a hungry pack of Raptors.pptx
@@ -5,10 +5,10 @@
     <p:sldMasterId id="2147483648" r:id="rId1"/>
   </p:sldMasterIdLst>
   <p:notesMasterIdLst>
-    <p:notesMasterId r:id="rId15"/>
+    <p:notesMasterId r:id="rId16"/>
   </p:notesMasterIdLst>
   <p:handoutMasterIdLst>
-    <p:handoutMasterId r:id="rId16"/>
+    <p:handoutMasterId r:id="rId17"/>
   </p:handoutMasterIdLst>
   <p:sldIdLst>
     <p:sldId id="257" r:id="rId2"/>
@@ -16,14 +16,15 @@
     <p:sldId id="272" r:id="rId4"/>
     <p:sldId id="275" r:id="rId5"/>
     <p:sldId id="274" r:id="rId6"/>
-    <p:sldId id="273" r:id="rId7"/>
-    <p:sldId id="276" r:id="rId8"/>
-    <p:sldId id="277" r:id="rId9"/>
-    <p:sldId id="278" r:id="rId10"/>
-    <p:sldId id="279" r:id="rId11"/>
-    <p:sldId id="280" r:id="rId12"/>
-    <p:sldId id="281" r:id="rId13"/>
-    <p:sldId id="282" r:id="rId14"/>
+    <p:sldId id="283" r:id="rId7"/>
+    <p:sldId id="273" r:id="rId8"/>
+    <p:sldId id="276" r:id="rId9"/>
+    <p:sldId id="277" r:id="rId10"/>
+    <p:sldId id="278" r:id="rId11"/>
+    <p:sldId id="279" r:id="rId12"/>
+    <p:sldId id="280" r:id="rId13"/>
+    <p:sldId id="281" r:id="rId14"/>
+    <p:sldId id="282" r:id="rId15"/>
   </p:sldIdLst>
   <p:sldSz cx="12192000" cy="6858000"/>
   <p:notesSz cx="6858000" cy="9144000"/>
@@ -215,7 +216,7 @@
           <a:p>
             <a:fld id="{D8DE8356-FFDA-4E74-B804-79023C7DD259}" type="datetimeFigureOut">
               <a:rPr lang="en-US" smtClean="0"/>
-              <a:t>3/23/2020</a:t>
+              <a:t>3/24/2020</a:t>
             </a:fld>
             <a:endParaRPr lang="en-US"/>
           </a:p>
@@ -380,7 +381,7 @@
           <a:p>
             <a:fld id="{B43DDCE7-616C-4285-A468-7301F171BC93}" type="datetimeFigureOut">
               <a:rPr lang="en-US" smtClean="0"/>
-              <a:t>3/23/2020</a:t>
+              <a:t>3/24/2020</a:t>
             </a:fld>
             <a:endParaRPr lang="en-US"/>
           </a:p>
@@ -1036,6 +1037,21 @@
           <a:p>
             <a:endParaRPr lang="en-CA" dirty="0"/>
           </a:p>
+          <a:p>
+            <a:r>
+              <a:rPr lang="en-US" sz="1200" b="0" i="0" kern="1200" dirty="0">
+                <a:solidFill>
+                  <a:schemeClr val="tx1"/>
+                </a:solidFill>
+                <a:effectLst/>
+                <a:latin typeface="+mn-lt"/>
+                <a:ea typeface="+mn-ea"/>
+                <a:cs typeface="+mn-cs"/>
+              </a:rPr>
+              <a:t>In inferential statistics, the null hypothesis is a general statement or default position that there is no relationship between two measured phenomena or no association among groups</a:t>
+            </a:r>
+            <a:endParaRPr lang="en-CA" dirty="0"/>
+          </a:p>
         </p:txBody>
       </p:sp>
       <p:sp>
@@ -1330,6 +1346,104 @@
             </a:r>
           </a:p>
           <a:p>
+            <a:endParaRPr lang="en-US" sz="1200" b="0" kern="1200" dirty="0">
+              <a:solidFill>
+                <a:schemeClr val="tx1"/>
+              </a:solidFill>
+              <a:effectLst/>
+              <a:latin typeface="+mn-lt"/>
+              <a:ea typeface="+mn-ea"/>
+              <a:cs typeface="+mn-cs"/>
+            </a:endParaRPr>
+          </a:p>
+          <a:p>
+            <a:pPr marL="171450" indent="-171450">
+              <a:buFont typeface="Arial" panose="020B0604020202020204" pitchFamily="34" charset="0"/>
+              <a:buChar char="•"/>
+            </a:pPr>
+            <a:r>
+              <a:rPr lang="en-US" sz="1200" b="0" kern="1200" baseline="0" dirty="0">
+                <a:solidFill>
+                  <a:schemeClr val="tx1"/>
+                </a:solidFill>
+                <a:effectLst/>
+                <a:latin typeface="+mn-lt"/>
+                <a:ea typeface="+mn-ea"/>
+                <a:cs typeface="+mn-cs"/>
+              </a:rPr>
+              <a:t>Manually took individual player statistics from sources and converted it to a csv file.</a:t>
+            </a:r>
+          </a:p>
+          <a:p>
+            <a:pPr marL="171450" indent="-171450">
+              <a:buFont typeface="Arial" panose="020B0604020202020204" pitchFamily="34" charset="0"/>
+              <a:buChar char="•"/>
+            </a:pPr>
+            <a:r>
+              <a:rPr lang="en-US" sz="1200" b="0" kern="1200" baseline="0" dirty="0">
+                <a:solidFill>
+                  <a:schemeClr val="tx1"/>
+                </a:solidFill>
+                <a:effectLst/>
+                <a:latin typeface="+mn-lt"/>
+                <a:ea typeface="+mn-ea"/>
+                <a:cs typeface="+mn-cs"/>
+              </a:rPr>
+              <a:t>Each player had its own csv file because our source organized individual player statistics by date.  </a:t>
+            </a:r>
+          </a:p>
+          <a:p>
+            <a:pPr marL="171450" indent="-171450">
+              <a:buFont typeface="Arial" panose="020B0604020202020204" pitchFamily="34" charset="0"/>
+              <a:buChar char="•"/>
+            </a:pPr>
+            <a:r>
+              <a:rPr lang="en-US" sz="1200" b="0" kern="1200" baseline="0" dirty="0">
+                <a:solidFill>
+                  <a:schemeClr val="tx1"/>
+                </a:solidFill>
+                <a:effectLst/>
+                <a:latin typeface="+mn-lt"/>
+                <a:ea typeface="+mn-ea"/>
+                <a:cs typeface="+mn-cs"/>
+              </a:rPr>
+              <a:t>We faced challenges merging all player data into one cohesive data frame per season. </a:t>
+            </a:r>
+          </a:p>
+          <a:p>
+            <a:pPr marL="171450" indent="-171450">
+              <a:buFont typeface="Arial" panose="020B0604020202020204" pitchFamily="34" charset="0"/>
+              <a:buChar char="•"/>
+            </a:pPr>
+            <a:r>
+              <a:rPr lang="en-US" sz="1200" b="0" kern="1200" baseline="0" dirty="0">
+                <a:solidFill>
+                  <a:schemeClr val="tx1"/>
+                </a:solidFill>
+                <a:effectLst/>
+                <a:latin typeface="+mn-lt"/>
+                <a:ea typeface="+mn-ea"/>
+                <a:cs typeface="+mn-cs"/>
+              </a:rPr>
+              <a:t>We concatenated all player data frames into one data frame per season. </a:t>
+            </a:r>
+          </a:p>
+          <a:p>
+            <a:pPr marL="171450" indent="-171450">
+              <a:buFont typeface="Arial" panose="020B0604020202020204" pitchFamily="34" charset="0"/>
+              <a:buChar char="•"/>
+            </a:pPr>
+            <a:endParaRPr lang="en-US" sz="1200" b="0" kern="1200" dirty="0">
+              <a:solidFill>
+                <a:schemeClr val="tx1"/>
+              </a:solidFill>
+              <a:effectLst/>
+              <a:latin typeface="+mn-lt"/>
+              <a:ea typeface="+mn-ea"/>
+              <a:cs typeface="+mn-cs"/>
+            </a:endParaRPr>
+          </a:p>
+          <a:p>
             <a:r>
               <a:rPr lang="en-US" sz="1200" b="0" kern="1200" dirty="0">
                 <a:solidFill>
@@ -1344,6 +1458,47 @@
             </a:r>
           </a:p>
           <a:p>
+            <a:pPr marL="171450" indent="-171450">
+              <a:buFont typeface="Arial" panose="020B0604020202020204" pitchFamily="34" charset="0"/>
+              <a:buChar char="•"/>
+            </a:pPr>
+            <a:r>
+              <a:rPr lang="en-US" sz="1200" b="0" kern="1200" dirty="0">
+                <a:solidFill>
+                  <a:schemeClr val="tx1"/>
+                </a:solidFill>
+                <a:effectLst/>
+                <a:latin typeface="+mn-lt"/>
+                <a:ea typeface="+mn-ea"/>
+                <a:cs typeface="+mn-cs"/>
+              </a:rPr>
+              <a:t>We did not anticipate the</a:t>
+            </a:r>
+            <a:r>
+              <a:rPr lang="en-US" sz="1200" b="0" kern="1200" baseline="0" dirty="0">
+                <a:solidFill>
+                  <a:schemeClr val="tx1"/>
+                </a:solidFill>
+                <a:effectLst/>
+                <a:latin typeface="+mn-lt"/>
+                <a:ea typeface="+mn-ea"/>
+                <a:cs typeface="+mn-cs"/>
+              </a:rPr>
+              <a:t> challenges when you have no unique keys in the data frame…the date was the most unique data, but multiple players played on that same date.</a:t>
+            </a:r>
+          </a:p>
+          <a:p>
+            <a:endParaRPr lang="en-US" sz="1200" b="0" kern="1200" dirty="0">
+              <a:solidFill>
+                <a:schemeClr val="tx1"/>
+              </a:solidFill>
+              <a:effectLst/>
+              <a:latin typeface="+mn-lt"/>
+              <a:ea typeface="+mn-ea"/>
+              <a:cs typeface="+mn-cs"/>
+            </a:endParaRPr>
+          </a:p>
+          <a:p>
             <a:r>
               <a:rPr lang="en-US" sz="1200" b="0" kern="1200" dirty="0">
                 <a:solidFill>
@@ -1358,6 +1513,56 @@
             </a:r>
           </a:p>
           <a:p>
+            <a:pPr marL="171450" indent="-171450">
+              <a:buFont typeface="Arial" panose="020B0604020202020204" pitchFamily="34" charset="0"/>
+              <a:buChar char="•"/>
+            </a:pPr>
+            <a:r>
+              <a:rPr lang="en-US" sz="1200" b="0" kern="1200" dirty="0">
+                <a:solidFill>
+                  <a:schemeClr val="tx1"/>
+                </a:solidFill>
+                <a:effectLst/>
+                <a:latin typeface="+mn-lt"/>
+                <a:ea typeface="+mn-ea"/>
+                <a:cs typeface="+mn-cs"/>
+              </a:rPr>
+              <a:t>The loc function in pandas allowed</a:t>
+            </a:r>
+            <a:r>
+              <a:rPr lang="en-US" sz="1200" b="0" kern="1200" baseline="0" dirty="0">
+                <a:solidFill>
+                  <a:schemeClr val="tx1"/>
+                </a:solidFill>
+                <a:effectLst/>
+                <a:latin typeface="+mn-lt"/>
+                <a:ea typeface="+mn-ea"/>
+                <a:cs typeface="+mn-cs"/>
+              </a:rPr>
+              <a:t> us to specify certain dates and players we’d like to look at. </a:t>
+            </a:r>
+            <a:endParaRPr lang="en-US" sz="1200" b="0" kern="1200" dirty="0">
+              <a:solidFill>
+                <a:schemeClr val="tx1"/>
+              </a:solidFill>
+              <a:effectLst/>
+              <a:latin typeface="+mn-lt"/>
+              <a:ea typeface="+mn-ea"/>
+              <a:cs typeface="+mn-cs"/>
+            </a:endParaRPr>
+          </a:p>
+          <a:p>
+            <a:endParaRPr lang="en-US" sz="1200" b="0" kern="1200" dirty="0">
+              <a:solidFill>
+                <a:schemeClr val="tx1"/>
+              </a:solidFill>
+              <a:effectLst/>
+              <a:latin typeface="+mn-lt"/>
+              <a:ea typeface="+mn-ea"/>
+              <a:cs typeface="+mn-cs"/>
+            </a:endParaRPr>
+          </a:p>
+          <a:p>
             <a:r>
               <a:rPr lang="en-US" sz="1200" b="0" kern="1200" dirty="0">
                 <a:solidFill>
@@ -1396,6 +1601,49 @@
             </a:r>
           </a:p>
           <a:p>
+            <a:pPr marL="171450" indent="-171450">
+              <a:buFont typeface="Arial" panose="020B0604020202020204" pitchFamily="34" charset="0"/>
+              <a:buChar char="•"/>
+            </a:pPr>
+            <a:r>
+              <a:rPr lang="en-US" sz="1200" b="0" kern="1200" dirty="0">
+                <a:solidFill>
+                  <a:schemeClr val="tx1"/>
+                </a:solidFill>
+                <a:effectLst/>
+                <a:latin typeface="+mn-lt"/>
+                <a:ea typeface="+mn-ea"/>
+                <a:cs typeface="+mn-cs"/>
+              </a:rPr>
+              <a:t>Number of game where</a:t>
+            </a:r>
+            <a:r>
+              <a:rPr lang="en-US" sz="1200" b="0" kern="1200" baseline="0" dirty="0">
+                <a:solidFill>
+                  <a:schemeClr val="tx1"/>
+                </a:solidFill>
+                <a:effectLst/>
+                <a:latin typeface="+mn-lt"/>
+                <a:ea typeface="+mn-ea"/>
+                <a:cs typeface="+mn-cs"/>
+              </a:rPr>
+              <a:t> the amount of 12 pointers was 3 or more. </a:t>
+            </a:r>
+            <a:endParaRPr lang="en-US" sz="1200" b="0" kern="1200" dirty="0">
+              <a:solidFill>
+                <a:schemeClr val="tx1"/>
+              </a:solidFill>
+              <a:effectLst/>
+              <a:latin typeface="+mn-lt"/>
+              <a:ea typeface="+mn-ea"/>
+              <a:cs typeface="+mn-cs"/>
+            </a:endParaRPr>
+          </a:p>
+          <a:p>
+            <a:pPr marL="171450" indent="-171450">
+              <a:buFont typeface="Arial" panose="020B0604020202020204" pitchFamily="34" charset="0"/>
+              <a:buChar char="•"/>
+            </a:pPr>
             <a:endParaRPr lang="en-CA" dirty="0"/>
           </a:p>
         </p:txBody>
@@ -1578,7 +1826,7 @@
           <a:p>
             <a:fld id="{05C1D8F7-2BDD-4C56-98AF-2E212EF349F3}" type="slidenum">
               <a:rPr lang="en-US" smtClean="0"/>
-              <a:t>6</a:t>
+              <a:t>7</a:t>
             </a:fld>
             <a:endParaRPr lang="en-US"/>
           </a:p>
@@ -1641,45 +1889,6 @@
           <a:bodyPr/>
           <a:lstStyle/>
           <a:p>
-            <a:r>
-              <a:rPr lang="en-US" sz="1200" b="0" kern="1200" dirty="0">
-                <a:solidFill>
-                  <a:schemeClr val="tx1"/>
-                </a:solidFill>
-                <a:effectLst/>
-                <a:latin typeface="+mn-lt"/>
-                <a:ea typeface="+mn-ea"/>
-                <a:cs typeface="+mn-cs"/>
-              </a:rPr>
-              <a:t>* Discussion</a:t>
-            </a:r>
-          </a:p>
-          <a:p>
-            <a:br>
-              <a:rPr lang="en-US" sz="1200" b="0" kern="1200" dirty="0">
-                <a:solidFill>
-                  <a:schemeClr val="tx1"/>
-                </a:solidFill>
-                <a:effectLst/>
-                <a:latin typeface="+mn-lt"/>
-                <a:ea typeface="+mn-ea"/>
-                <a:cs typeface="+mn-cs"/>
-              </a:rPr>
-            </a:br>
-            <a:r>
-              <a:rPr lang="en-US" sz="1200" b="0" kern="1200" dirty="0">
-                <a:solidFill>
-                  <a:schemeClr val="tx1"/>
-                </a:solidFill>
-                <a:effectLst/>
-                <a:latin typeface="+mn-lt"/>
-                <a:ea typeface="+mn-ea"/>
-                <a:cs typeface="+mn-cs"/>
-              </a:rPr>
-              <a:t>  * Discuss your findings. Did you find what you expected to find? If not, why not? What inferences or general conclusions can you draw from your analysis?</a:t>
-            </a:r>
-          </a:p>
-          <a:p>
             <a:endParaRPr lang="en-CA" dirty="0"/>
           </a:p>
         </p:txBody>
@@ -1701,7 +1910,7 @@
           <a:p>
             <a:fld id="{05C1D8F7-2BDD-4C56-98AF-2E212EF349F3}" type="slidenum">
               <a:rPr lang="en-US" smtClean="0"/>
-              <a:t>11</a:t>
+              <a:t>8</a:t>
             </a:fld>
             <a:endParaRPr lang="en-US"/>
           </a:p>
@@ -1710,7 +1919,7 @@
     </p:spTree>
     <p:extLst>
       <p:ext uri="{BB962C8B-B14F-4D97-AF65-F5344CB8AC3E}">
-        <p14:creationId xmlns:p14="http://schemas.microsoft.com/office/powerpoint/2010/main" val="2663402496"/>
+        <p14:creationId xmlns:p14="http://schemas.microsoft.com/office/powerpoint/2010/main" val="882364304"/>
       </p:ext>
     </p:extLst>
   </p:cSld>
@@ -1774,6 +1983,143 @@
                 <a:ea typeface="+mn-ea"/>
                 <a:cs typeface="+mn-cs"/>
               </a:rPr>
+              <a:t>* Discussion</a:t>
+            </a:r>
+          </a:p>
+          <a:p>
+            <a:pPr marL="0" marR="0" lvl="0" indent="0" algn="l" defTabSz="914400" rtl="0" eaLnBrk="1" fontAlgn="auto" latinLnBrk="0" hangingPunct="1">
+              <a:lnSpc>
+                <a:spcPct val="100000"/>
+              </a:lnSpc>
+              <a:spcBef>
+                <a:spcPts val="0"/>
+              </a:spcBef>
+              <a:spcAft>
+                <a:spcPts val="0"/>
+              </a:spcAft>
+              <a:buClrTx/>
+              <a:buSzTx/>
+              <a:buFontTx/>
+              <a:buNone/>
+              <a:tabLst/>
+              <a:defRPr/>
+            </a:pPr>
+            <a:r>
+              <a:rPr lang="en-US" dirty="0"/>
+              <a:t>CJ Miles, Serge </a:t>
+            </a:r>
+            <a:r>
+              <a:rPr lang="en-US" dirty="0" err="1"/>
+              <a:t>Ibaka</a:t>
+            </a:r>
+            <a:r>
+              <a:rPr lang="en-US" dirty="0"/>
+              <a:t> &amp; OG </a:t>
+            </a:r>
+            <a:r>
+              <a:rPr lang="en-US" dirty="0" err="1"/>
+              <a:t>Anunoby</a:t>
+            </a:r>
+            <a:r>
+              <a:rPr lang="en-US" dirty="0"/>
+              <a:t> were top contributors to the number of 3 pointers made in the 2017-2018. However, these players joined mid-season during the 2016-2017 season. This explains the steep increase in the number of games were the Raptors scored 12+ 3 pointers. During the 2016-2017 season the Raptors had 18 games where they scored 12 + 3 pointers, compared to 53 games in the 2017-2018 season. </a:t>
+            </a:r>
+          </a:p>
+          <a:p>
+            <a:endParaRPr lang="en-CA" dirty="0"/>
+          </a:p>
+        </p:txBody>
+      </p:sp>
+      <p:sp>
+        <p:nvSpPr>
+          <p:cNvPr id="4" name="Slide Number Placeholder 3"/>
+          <p:cNvSpPr>
+            <a:spLocks noGrp="1"/>
+          </p:cNvSpPr>
+          <p:nvPr>
+            <p:ph type="sldNum" sz="quarter" idx="5"/>
+          </p:nvPr>
+        </p:nvSpPr>
+        <p:spPr/>
+        <p:txBody>
+          <a:bodyPr/>
+          <a:lstStyle/>
+          <a:p>
+            <a:fld id="{05C1D8F7-2BDD-4C56-98AF-2E212EF349F3}" type="slidenum">
+              <a:rPr lang="en-US" smtClean="0"/>
+              <a:t>12</a:t>
+            </a:fld>
+            <a:endParaRPr lang="en-US"/>
+          </a:p>
+        </p:txBody>
+      </p:sp>
+    </p:spTree>
+    <p:extLst>
+      <p:ext uri="{BB962C8B-B14F-4D97-AF65-F5344CB8AC3E}">
+        <p14:creationId xmlns:p14="http://schemas.microsoft.com/office/powerpoint/2010/main" val="2663402496"/>
+      </p:ext>
+    </p:extLst>
+  </p:cSld>
+  <p:clrMapOvr>
+    <a:masterClrMapping/>
+  </p:clrMapOvr>
+</p:notes>
+</file>
+
+<file path=ppt/notesSlides/notesSlide9.xml><?xml version="1.0" encoding="utf-8"?>
+<p:notes xmlns:a="http://schemas.openxmlformats.org/drawingml/2006/main" xmlns:r="http://schemas.openxmlformats.org/officeDocument/2006/relationships" xmlns:p="http://schemas.openxmlformats.org/presentationml/2006/main">
+  <p:cSld>
+    <p:spTree>
+      <p:nvGrpSpPr>
+        <p:cNvPr id="1" name=""/>
+        <p:cNvGrpSpPr/>
+        <p:nvPr/>
+      </p:nvGrpSpPr>
+      <p:grpSpPr>
+        <a:xfrm>
+          <a:off x="0" y="0"/>
+          <a:ext cx="0" cy="0"/>
+          <a:chOff x="0" y="0"/>
+          <a:chExt cx="0" cy="0"/>
+        </a:xfrm>
+      </p:grpSpPr>
+      <p:sp>
+        <p:nvSpPr>
+          <p:cNvPr id="2" name="Slide Image Placeholder 1"/>
+          <p:cNvSpPr>
+            <a:spLocks noGrp="1" noRot="1" noChangeAspect="1"/>
+          </p:cNvSpPr>
+          <p:nvPr>
+            <p:ph type="sldImg"/>
+          </p:nvPr>
+        </p:nvSpPr>
+        <p:spPr/>
+      </p:sp>
+      <p:sp>
+        <p:nvSpPr>
+          <p:cNvPr id="3" name="Notes Placeholder 2"/>
+          <p:cNvSpPr>
+            <a:spLocks noGrp="1"/>
+          </p:cNvSpPr>
+          <p:nvPr>
+            <p:ph type="body" idx="1"/>
+          </p:nvPr>
+        </p:nvSpPr>
+        <p:spPr/>
+        <p:txBody>
+          <a:bodyPr/>
+          <a:lstStyle/>
+          <a:p>
+            <a:r>
+              <a:rPr lang="en-US" sz="1200" b="0" kern="1200" dirty="0">
+                <a:solidFill>
+                  <a:schemeClr val="tx1"/>
+                </a:solidFill>
+                <a:effectLst/>
+                <a:latin typeface="+mn-lt"/>
+                <a:ea typeface="+mn-ea"/>
+                <a:cs typeface="+mn-cs"/>
+              </a:rPr>
               <a:t>* Post Mortem</a:t>
             </a:r>
           </a:p>
@@ -1817,7 +2163,16 @@
             </a:r>
           </a:p>
           <a:p>
-            <a:endParaRPr lang="en-CA" dirty="0"/>
+            <a:r>
+              <a:rPr lang="en-CA" dirty="0"/>
+              <a:t>Based on 1718 rosters </a:t>
+            </a:r>
+          </a:p>
+          <a:p>
+            <a:r>
+              <a:rPr lang="en-CA" dirty="0"/>
+              <a:t>It’s not too easy or too hard to get 12 3 pointers</a:t>
+            </a:r>
           </a:p>
         </p:txBody>
       </p:sp>
@@ -1838,7 +2193,7 @@
           <a:p>
             <a:fld id="{05C1D8F7-2BDD-4C56-98AF-2E212EF349F3}" type="slidenum">
               <a:rPr lang="en-US" smtClean="0"/>
-              <a:t>12</a:t>
+              <a:t>13</a:t>
             </a:fld>
             <a:endParaRPr lang="en-US"/>
           </a:p>
@@ -2151,7 +2506,7 @@
           <a:p>
             <a:fld id="{3762EC29-B8C5-4C7A-B6DA-418494D5CB21}" type="datetimeFigureOut">
               <a:rPr lang="en-US" smtClean="0"/>
-              <a:t>3/23/2020</a:t>
+              <a:t>3/24/2020</a:t>
             </a:fld>
             <a:endParaRPr lang="en-US"/>
           </a:p>
@@ -2344,7 +2699,7 @@
           <a:p>
             <a:fld id="{3762EC29-B8C5-4C7A-B6DA-418494D5CB21}" type="datetimeFigureOut">
               <a:rPr lang="en-US" smtClean="0"/>
-              <a:t>3/23/2020</a:t>
+              <a:t>3/24/2020</a:t>
             </a:fld>
             <a:endParaRPr lang="en-US"/>
           </a:p>
@@ -2527,7 +2882,7 @@
           <a:p>
             <a:fld id="{3762EC29-B8C5-4C7A-B6DA-418494D5CB21}" type="datetimeFigureOut">
               <a:rPr lang="en-US" smtClean="0"/>
-              <a:t>3/23/2020</a:t>
+              <a:t>3/24/2020</a:t>
             </a:fld>
             <a:endParaRPr lang="en-US"/>
           </a:p>
@@ -2792,7 +3147,7 @@
           <a:p>
             <a:fld id="{3762EC29-B8C5-4C7A-B6DA-418494D5CB21}" type="datetimeFigureOut">
               <a:rPr lang="en-US" smtClean="0"/>
-              <a:t>3/23/2020</a:t>
+              <a:t>3/24/2020</a:t>
             </a:fld>
             <a:endParaRPr lang="en-US"/>
           </a:p>
@@ -3036,7 +3391,7 @@
           <a:p>
             <a:fld id="{3762EC29-B8C5-4C7A-B6DA-418494D5CB21}" type="datetimeFigureOut">
               <a:rPr lang="en-US" smtClean="0"/>
-              <a:t>3/23/2020</a:t>
+              <a:t>3/24/2020</a:t>
             </a:fld>
             <a:endParaRPr lang="en-US"/>
           </a:p>
@@ -3424,7 +3779,7 @@
           <a:p>
             <a:fld id="{3762EC29-B8C5-4C7A-B6DA-418494D5CB21}" type="datetimeFigureOut">
               <a:rPr lang="en-US" smtClean="0"/>
-              <a:t>3/23/2020</a:t>
+              <a:t>3/24/2020</a:t>
             </a:fld>
             <a:endParaRPr lang="en-US"/>
           </a:p>
@@ -3556,7 +3911,7 @@
           <a:p>
             <a:fld id="{3762EC29-B8C5-4C7A-B6DA-418494D5CB21}" type="datetimeFigureOut">
               <a:rPr lang="en-US" smtClean="0"/>
-              <a:t>3/23/2020</a:t>
+              <a:t>3/24/2020</a:t>
             </a:fld>
             <a:endParaRPr lang="en-US"/>
           </a:p>
@@ -3666,7 +4021,7 @@
           <a:p>
             <a:fld id="{3762EC29-B8C5-4C7A-B6DA-418494D5CB21}" type="datetimeFigureOut">
               <a:rPr lang="en-US" smtClean="0"/>
-              <a:t>3/23/2020</a:t>
+              <a:t>3/24/2020</a:t>
             </a:fld>
             <a:endParaRPr lang="en-US"/>
           </a:p>
@@ -4463,7 +4818,7 @@
             <a:fld id="{3762EC29-B8C5-4C7A-B6DA-418494D5CB21}" type="datetimeFigureOut">
               <a:rPr lang="en-US" smtClean="0"/>
               <a:pPr/>
-              <a:t>3/23/2020</a:t>
+              <a:t>3/24/2020</a:t>
             </a:fld>
             <a:endParaRPr lang="en-US"/>
           </a:p>
@@ -4918,7 +5273,14 @@
             <a:pPr algn="ctr"/>
             <a:r>
               <a:rPr lang="en-CA" dirty="0"/>
-              <a:t>Holly Clark, Daniel Tsai, Joel Fernandes &amp; Sujay Bhagwat</a:t>
+              <a:t>Holly Clark, Daniel Tsai &amp;</a:t>
+            </a:r>
+          </a:p>
+          <a:p>
+            <a:pPr algn="ctr"/>
+            <a:r>
+              <a:rPr lang="en-CA" dirty="0"/>
+              <a:t> Joel Fernandes</a:t>
             </a:r>
           </a:p>
         </p:txBody>
@@ -4970,7 +5332,7 @@
           <p:cNvPr id="2" name="Title 1">
             <a:extLst>
               <a:ext uri="{FF2B5EF4-FFF2-40B4-BE49-F238E27FC236}">
-                <a16:creationId xmlns:a16="http://schemas.microsoft.com/office/drawing/2014/main" id="{BBB10AFD-7D20-4B7A-BF1D-45536CC2749F}"/>
+                <a16:creationId xmlns:a16="http://schemas.microsoft.com/office/drawing/2014/main" id="{4D35EB83-6378-4485-9F29-FB8B9394DDDA}"/>
               </a:ext>
             </a:extLst>
           </p:cNvPr>
@@ -4991,7 +5353,7 @@
             <a:pPr algn="ctr"/>
             <a:r>
               <a:rPr lang="en-CA" sz="3200" dirty="0"/>
-              <a:t>Does a player’s age impact the number of 3 pointers they make?</a:t>
+              <a:t>Did the Raptors score more 3 pointers at home or away games?</a:t>
             </a:r>
           </a:p>
         </p:txBody>
@@ -5001,7 +5363,7 @@
           <p:cNvPr id="3" name="Content Placeholder 2">
             <a:extLst>
               <a:ext uri="{FF2B5EF4-FFF2-40B4-BE49-F238E27FC236}">
-                <a16:creationId xmlns:a16="http://schemas.microsoft.com/office/drawing/2014/main" id="{49BFE5F5-A4E0-46BB-BCE1-7FBB2BEFC997}"/>
+                <a16:creationId xmlns:a16="http://schemas.microsoft.com/office/drawing/2014/main" id="{D6C44655-CFBE-4AE6-8C4C-EC9C9A6CB1AF}"/>
               </a:ext>
             </a:extLst>
           </p:cNvPr>
@@ -5024,7 +5386,7 @@
     </p:spTree>
     <p:extLst>
       <p:ext uri="{BB962C8B-B14F-4D97-AF65-F5344CB8AC3E}">
-        <p14:creationId xmlns:p14="http://schemas.microsoft.com/office/powerpoint/2010/main" val="1351067636"/>
+        <p14:creationId xmlns:p14="http://schemas.microsoft.com/office/powerpoint/2010/main" val="4157674910"/>
       </p:ext>
     </p:extLst>
   </p:cSld>
@@ -5068,7 +5430,7 @@
           <p:cNvPr id="2" name="Title 1">
             <a:extLst>
               <a:ext uri="{FF2B5EF4-FFF2-40B4-BE49-F238E27FC236}">
-                <a16:creationId xmlns:a16="http://schemas.microsoft.com/office/drawing/2014/main" id="{A656F7D8-11B9-4129-A30A-CD745E0573D3}"/>
+                <a16:creationId xmlns:a16="http://schemas.microsoft.com/office/drawing/2014/main" id="{BBB10AFD-7D20-4B7A-BF1D-45536CC2749F}"/>
               </a:ext>
             </a:extLst>
           </p:cNvPr>
@@ -5079,27 +5441,31 @@
             <p:ph type="title"/>
           </p:nvPr>
         </p:nvSpPr>
-        <p:spPr/>
-        <p:txBody>
-          <a:bodyPr>
+        <p:spPr>
+          <a:xfrm>
+            <a:off x="1066800" y="304800"/>
+            <a:ext cx="10058400" cy="1143000"/>
+          </a:xfrm>
+        </p:spPr>
+        <p:txBody>
+          <a:bodyPr anchor="b">
             <a:normAutofit/>
           </a:bodyPr>
           <a:lstStyle/>
           <a:p>
-            <a:pPr algn="ctr"/>
-            <a:r>
-              <a:rPr lang="en-CA" sz="3200" dirty="0"/>
-              <a:t>Findings &amp; Discussion</a:t>
-            </a:r>
-          </a:p>
-        </p:txBody>
-      </p:sp>
-      <p:sp>
-        <p:nvSpPr>
-          <p:cNvPr id="3" name="Content Placeholder 2">
+            <a:r>
+              <a:rPr lang="en-CA" dirty="0"/>
+              <a:t>Does a player’s age impact the number of 3 pointers they make?</a:t>
+            </a:r>
+          </a:p>
+        </p:txBody>
+      </p:sp>
+      <p:sp>
+        <p:nvSpPr>
+          <p:cNvPr id="10" name="Text Placeholder 2">
             <a:extLst>
               <a:ext uri="{FF2B5EF4-FFF2-40B4-BE49-F238E27FC236}">
-                <a16:creationId xmlns:a16="http://schemas.microsoft.com/office/drawing/2014/main" id="{7EB47C60-B333-4822-A90B-22094E033441}"/>
+                <a16:creationId xmlns:a16="http://schemas.microsoft.com/office/drawing/2014/main" id="{D60969C3-7C9F-444E-9572-1A7E035EC313}"/>
               </a:ext>
             </a:extLst>
           </p:cNvPr>
@@ -5107,7 +5473,103 @@
             <a:spLocks noGrp="1"/>
           </p:cNvSpPr>
           <p:nvPr>
-            <p:ph idx="1"/>
+            <p:ph type="body" idx="1"/>
+          </p:nvPr>
+        </p:nvSpPr>
+        <p:spPr>
+          <a:xfrm>
+            <a:off x="1066800" y="1681163"/>
+            <a:ext cx="4846320" cy="823912"/>
+          </a:xfrm>
+        </p:spPr>
+        <p:txBody>
+          <a:bodyPr/>
+          <a:lstStyle/>
+          <a:p>
+            <a:endParaRPr lang="en-US" dirty="0"/>
+          </a:p>
+        </p:txBody>
+      </p:sp>
+      <p:pic>
+        <p:nvPicPr>
+          <p:cNvPr id="5" name="Content Placeholder 4" descr="A screenshot of a cell phone&#10;&#10;Description automatically generated">
+            <a:extLst>
+              <a:ext uri="{FF2B5EF4-FFF2-40B4-BE49-F238E27FC236}">
+                <a16:creationId xmlns:a16="http://schemas.microsoft.com/office/drawing/2014/main" id="{FCFD131B-E3CB-471C-A4D7-8B101EDD7FD4}"/>
+              </a:ext>
+            </a:extLst>
+          </p:cNvPr>
+          <p:cNvPicPr>
+            <a:picLocks noGrp="1" noChangeAspect="1"/>
+          </p:cNvPicPr>
+          <p:nvPr>
+            <p:ph sz="half" idx="2"/>
+          </p:nvPr>
+        </p:nvPicPr>
+        <p:blipFill>
+          <a:blip r:embed="rId2">
+            <a:extLst>
+              <a:ext uri="{28A0092B-C50C-407E-A947-70E740481C1C}">
+                <a14:useLocalDpi xmlns:a14="http://schemas.microsoft.com/office/drawing/2010/main" val="0"/>
+              </a:ext>
+            </a:extLst>
+          </a:blip>
+          <a:stretch>
+            <a:fillRect/>
+          </a:stretch>
+        </p:blipFill>
+        <p:spPr>
+          <a:xfrm>
+            <a:off x="1066800" y="2646998"/>
+            <a:ext cx="4846320" cy="3230879"/>
+          </a:xfrm>
+          <a:noFill/>
+        </p:spPr>
+      </p:pic>
+      <p:sp>
+        <p:nvSpPr>
+          <p:cNvPr id="12" name="Text Placeholder 4">
+            <a:extLst>
+              <a:ext uri="{FF2B5EF4-FFF2-40B4-BE49-F238E27FC236}">
+                <a16:creationId xmlns:a16="http://schemas.microsoft.com/office/drawing/2014/main" id="{2B831B59-9E0B-4A54-88CD-CE0AF2A28FB6}"/>
+              </a:ext>
+            </a:extLst>
+          </p:cNvPr>
+          <p:cNvSpPr>
+            <a:spLocks noGrp="1"/>
+          </p:cNvSpPr>
+          <p:nvPr>
+            <p:ph type="body" sz="quarter" idx="3"/>
+          </p:nvPr>
+        </p:nvSpPr>
+        <p:spPr>
+          <a:xfrm>
+            <a:off x="6278880" y="1681163"/>
+            <a:ext cx="4846320" cy="823912"/>
+          </a:xfrm>
+        </p:spPr>
+        <p:txBody>
+          <a:bodyPr/>
+          <a:lstStyle/>
+          <a:p>
+            <a:endParaRPr lang="en-US"/>
+          </a:p>
+        </p:txBody>
+      </p:sp>
+      <p:sp>
+        <p:nvSpPr>
+          <p:cNvPr id="6" name="Content Placeholder 5">
+            <a:extLst>
+              <a:ext uri="{FF2B5EF4-FFF2-40B4-BE49-F238E27FC236}">
+                <a16:creationId xmlns:a16="http://schemas.microsoft.com/office/drawing/2014/main" id="{CB9F2DBF-D6F7-479B-A9E2-A92CF449C847}"/>
+              </a:ext>
+            </a:extLst>
+          </p:cNvPr>
+          <p:cNvSpPr>
+            <a:spLocks noGrp="1"/>
+          </p:cNvSpPr>
+          <p:nvPr>
+            <p:ph sz="quarter" idx="4"/>
           </p:nvPr>
         </p:nvSpPr>
         <p:spPr/>
@@ -5122,7 +5584,7 @@
     </p:spTree>
     <p:extLst>
       <p:ext uri="{BB962C8B-B14F-4D97-AF65-F5344CB8AC3E}">
-        <p14:creationId xmlns:p14="http://schemas.microsoft.com/office/powerpoint/2010/main" val="3741137618"/>
+        <p14:creationId xmlns:p14="http://schemas.microsoft.com/office/powerpoint/2010/main" val="1351067636"/>
       </p:ext>
     </p:extLst>
   </p:cSld>
@@ -5166,6 +5628,174 @@
           <p:cNvPr id="2" name="Title 1">
             <a:extLst>
               <a:ext uri="{FF2B5EF4-FFF2-40B4-BE49-F238E27FC236}">
+                <a16:creationId xmlns:a16="http://schemas.microsoft.com/office/drawing/2014/main" id="{A656F7D8-11B9-4129-A30A-CD745E0573D3}"/>
+              </a:ext>
+            </a:extLst>
+          </p:cNvPr>
+          <p:cNvSpPr>
+            <a:spLocks noGrp="1"/>
+          </p:cNvSpPr>
+          <p:nvPr>
+            <p:ph type="title"/>
+          </p:nvPr>
+        </p:nvSpPr>
+        <p:spPr/>
+        <p:txBody>
+          <a:bodyPr>
+            <a:normAutofit/>
+          </a:bodyPr>
+          <a:lstStyle/>
+          <a:p>
+            <a:pPr algn="ctr"/>
+            <a:r>
+              <a:rPr lang="en-CA" sz="3200" dirty="0"/>
+              <a:t>Findings &amp; Discussion</a:t>
+            </a:r>
+          </a:p>
+        </p:txBody>
+      </p:sp>
+      <p:sp>
+        <p:nvSpPr>
+          <p:cNvPr id="3" name="Content Placeholder 2">
+            <a:extLst>
+              <a:ext uri="{FF2B5EF4-FFF2-40B4-BE49-F238E27FC236}">
+                <a16:creationId xmlns:a16="http://schemas.microsoft.com/office/drawing/2014/main" id="{7EB47C60-B333-4822-A90B-22094E033441}"/>
+              </a:ext>
+            </a:extLst>
+          </p:cNvPr>
+          <p:cNvSpPr>
+            <a:spLocks noGrp="1"/>
+          </p:cNvSpPr>
+          <p:nvPr>
+            <p:ph idx="1"/>
+          </p:nvPr>
+        </p:nvSpPr>
+        <p:spPr/>
+        <p:txBody>
+          <a:bodyPr>
+            <a:normAutofit/>
+          </a:bodyPr>
+          <a:lstStyle/>
+          <a:p>
+            <a:r>
+              <a:rPr lang="en-CA" dirty="0"/>
+              <a:t>Total Games with 12 or more 3 pointers made:</a:t>
+            </a:r>
+          </a:p>
+          <a:p>
+            <a:pPr lvl="1">
+              <a:buFont typeface="Wingdings" panose="05000000000000000000" pitchFamily="2" charset="2"/>
+              <a:buChar char="Ø"/>
+            </a:pPr>
+            <a:r>
+              <a:rPr lang="en-CA" dirty="0"/>
+              <a:t>2016-2017: 18</a:t>
+            </a:r>
+          </a:p>
+          <a:p>
+            <a:pPr lvl="1">
+              <a:buFont typeface="Wingdings" panose="05000000000000000000" pitchFamily="2" charset="2"/>
+              <a:buChar char="Ø"/>
+            </a:pPr>
+            <a:r>
+              <a:rPr lang="en-CA" dirty="0"/>
+              <a:t>2017-2018: 53</a:t>
+            </a:r>
+          </a:p>
+          <a:p>
+            <a:pPr>
+              <a:buFont typeface="Wingdings" panose="05000000000000000000" pitchFamily="2" charset="2"/>
+              <a:buChar char="Ø"/>
+            </a:pPr>
+            <a:r>
+              <a:rPr lang="en-CA" dirty="0"/>
+              <a:t> CJ Miles, Serge </a:t>
+            </a:r>
+            <a:r>
+              <a:rPr lang="en-CA" dirty="0" err="1"/>
+              <a:t>Ibaka</a:t>
+            </a:r>
+            <a:r>
+              <a:rPr lang="en-CA" dirty="0"/>
+              <a:t> &amp; OG </a:t>
+            </a:r>
+            <a:r>
+              <a:rPr lang="en-CA" dirty="0" err="1"/>
+              <a:t>Anunoby</a:t>
+            </a:r>
+            <a:r>
+              <a:rPr lang="en-CA" dirty="0"/>
+              <a:t> were trop contributors during 2017-2018 season. However, CJ Miles &amp; OG </a:t>
+            </a:r>
+            <a:r>
+              <a:rPr lang="en-CA" dirty="0" err="1"/>
+              <a:t>Anunoby</a:t>
+            </a:r>
+            <a:r>
+              <a:rPr lang="en-CA" dirty="0"/>
+              <a:t> did not play during 2016-2017, Serge </a:t>
+            </a:r>
+            <a:r>
+              <a:rPr lang="en-CA" dirty="0" err="1"/>
+              <a:t>Ibaka</a:t>
+            </a:r>
+            <a:r>
+              <a:rPr lang="en-CA" dirty="0"/>
+              <a:t> joined mid-season 2016-2017.</a:t>
+            </a:r>
+          </a:p>
+          <a:p>
+            <a:endParaRPr lang="en-CA" dirty="0"/>
+          </a:p>
+        </p:txBody>
+      </p:sp>
+    </p:spTree>
+    <p:extLst>
+      <p:ext uri="{BB962C8B-B14F-4D97-AF65-F5344CB8AC3E}">
+        <p14:creationId xmlns:p14="http://schemas.microsoft.com/office/powerpoint/2010/main" val="3741137618"/>
+      </p:ext>
+    </p:extLst>
+  </p:cSld>
+  <p:clrMapOvr>
+    <a:masterClrMapping/>
+  </p:clrMapOvr>
+  <mc:AlternateContent xmlns:mc="http://schemas.openxmlformats.org/markup-compatibility/2006" xmlns:p14="http://schemas.microsoft.com/office/powerpoint/2010/main">
+    <mc:Choice Requires="p14">
+      <p:transition spd="med" p14:dur="700">
+        <p:fade/>
+      </p:transition>
+    </mc:Choice>
+    <mc:Fallback xmlns="">
+      <p:transition spd="med">
+        <p:fade/>
+      </p:transition>
+    </mc:Fallback>
+  </mc:AlternateContent>
+</p:sld>
+</file>
+
+<file path=ppt/slides/slide13.xml><?xml version="1.0" encoding="utf-8"?>
+<p:sld xmlns:a="http://schemas.openxmlformats.org/drawingml/2006/main" xmlns:r="http://schemas.openxmlformats.org/officeDocument/2006/relationships" xmlns:p="http://schemas.openxmlformats.org/presentationml/2006/main">
+  <p:cSld>
+    <p:spTree>
+      <p:nvGrpSpPr>
+        <p:cNvPr id="1" name=""/>
+        <p:cNvGrpSpPr/>
+        <p:nvPr/>
+      </p:nvGrpSpPr>
+      <p:grpSpPr>
+        <a:xfrm>
+          <a:off x="0" y="0"/>
+          <a:ext cx="0" cy="0"/>
+          <a:chOff x="0" y="0"/>
+          <a:chExt cx="0" cy="0"/>
+        </a:xfrm>
+      </p:grpSpPr>
+      <p:sp>
+        <p:nvSpPr>
+          <p:cNvPr id="2" name="Title 1">
+            <a:extLst>
+              <a:ext uri="{FF2B5EF4-FFF2-40B4-BE49-F238E27FC236}">
                 <a16:creationId xmlns:a16="http://schemas.microsoft.com/office/drawing/2014/main" id="{7CAA3D2A-6CDE-4803-85E2-C29CAAD998CC}"/>
               </a:ext>
             </a:extLst>
@@ -5213,6 +5843,24 @@
           <a:bodyPr/>
           <a:lstStyle/>
           <a:p>
+            <a:r>
+              <a:rPr lang="en-US" dirty="0"/>
+              <a:t>The purpose of the McDonald’s promotion was to encourage customers to download the McDonald’s mobile app, in order to access the free fry's promotion.  </a:t>
+            </a:r>
+          </a:p>
+          <a:p>
+            <a:r>
+              <a:rPr lang="en-US" dirty="0"/>
+              <a:t>To ensure the greatest number of prospective customers, it was in McDonald’s best interest to minimize the number of 3 pointers required for the promotion.  </a:t>
+            </a:r>
+          </a:p>
+          <a:p>
+            <a:endParaRPr lang="en-US" dirty="0"/>
+          </a:p>
+          <a:p>
+            <a:pPr marL="0" indent="0">
+              <a:buNone/>
+            </a:pPr>
             <a:endParaRPr lang="en-CA" dirty="0"/>
           </a:p>
         </p:txBody>
@@ -5242,7 +5890,7 @@
 </p:sld>
 </file>
 
-<file path=ppt/slides/slide13.xml><?xml version="1.0" encoding="utf-8"?>
+<file path=ppt/slides/slide14.xml><?xml version="1.0" encoding="utf-8"?>
 <p:sld xmlns:a="http://schemas.openxmlformats.org/drawingml/2006/main" xmlns:r="http://schemas.openxmlformats.org/officeDocument/2006/relationships" xmlns:p="http://schemas.openxmlformats.org/presentationml/2006/main">
   <p:cSld>
     <p:spTree>
@@ -5575,7 +6223,9 @@
         </p:nvSpPr>
         <p:spPr/>
         <p:txBody>
-          <a:bodyPr/>
+          <a:bodyPr>
+            <a:normAutofit/>
+          </a:bodyPr>
           <a:lstStyle/>
           <a:p>
             <a:r>
@@ -5586,9 +6236,8 @@
           <a:p>
             <a:r>
               <a:rPr lang="en-US" dirty="0"/>
-              <a:t>Null Hypothesis:</a:t>
-            </a:r>
-            <a:endParaRPr lang="en-CA" dirty="0"/>
+              <a:t>Null Hypothesis: McDonald’s could have not predicted the Toronto Raptors would do so well during their 2018-2019 season. </a:t>
+            </a:r>
           </a:p>
         </p:txBody>
       </p:sp>
@@ -5831,7 +6480,9 @@
         </p:nvSpPr>
         <p:spPr/>
         <p:txBody>
-          <a:bodyPr/>
+          <a:bodyPr>
+            <a:normAutofit/>
+          </a:bodyPr>
           <a:lstStyle/>
           <a:p>
             <a:r>
@@ -5842,49 +6493,34 @@
           <a:p>
             <a:r>
               <a:rPr lang="en-CA" dirty="0"/>
-              <a:t>Challenges merging all player data into a cohesive </a:t>
-            </a:r>
-            <a:r>
-              <a:rPr lang="en-CA" dirty="0" err="1"/>
-              <a:t>dataframe</a:t>
-            </a:r>
+              <a:t>Challenges merging all player data into a cohesive data frame.</a:t>
+            </a:r>
+          </a:p>
+          <a:p>
             <a:r>
               <a:rPr lang="en-CA" dirty="0"/>
-              <a:t>.</a:t>
-            </a:r>
-          </a:p>
-          <a:p>
-            <a:pPr lvl="1"/>
+              <a:t>Raw player data was organized by game Date</a:t>
+            </a:r>
+          </a:p>
+          <a:p>
             <a:r>
               <a:rPr lang="en-CA" dirty="0"/>
-              <a:t>Raw player data was organized by game Date - Challenge</a:t>
-            </a:r>
-          </a:p>
-          <a:p>
-            <a:pPr lvl="1"/>
+              <a:t>Grouped by dates per season</a:t>
+            </a:r>
+          </a:p>
+          <a:p>
             <a:r>
               <a:rPr lang="en-CA" dirty="0"/>
-              <a:t>1 pandas </a:t>
-            </a:r>
-            <a:r>
-              <a:rPr lang="en-CA" dirty="0" err="1"/>
-              <a:t>dataframe</a:t>
-            </a:r>
+              <a:t>One pandas data frame for each player for each season, concatenated all data frames into a list. </a:t>
+            </a:r>
+          </a:p>
+          <a:p>
             <a:r>
               <a:rPr lang="en-CA" dirty="0"/>
-              <a:t> for each player for each season, concatenated all </a:t>
-            </a:r>
-            <a:r>
-              <a:rPr lang="en-CA" dirty="0" err="1"/>
-              <a:t>dataframes</a:t>
-            </a:r>
-            <a:r>
-              <a:rPr lang="en-CA" dirty="0"/>
-              <a:t> into a list. </a:t>
-            </a:r>
-          </a:p>
-          <a:p>
-            <a:pPr lvl="1"/>
+              <a:t>Loc function </a:t>
+            </a:r>
+          </a:p>
+          <a:p>
             <a:r>
               <a:rPr lang="en-CA" dirty="0"/>
               <a:t>No unique keys or values. </a:t>
@@ -5942,7 +6578,7 @@
           <p:cNvPr id="2" name="Title 1">
             <a:extLst>
               <a:ext uri="{FF2B5EF4-FFF2-40B4-BE49-F238E27FC236}">
-                <a16:creationId xmlns:a16="http://schemas.microsoft.com/office/drawing/2014/main" id="{984C9A4B-EA90-47FC-AA16-77632ACC7E2F}"/>
+                <a16:creationId xmlns:a16="http://schemas.microsoft.com/office/drawing/2014/main" id="{FFC78016-54FB-4C4B-B6E5-7CDA8F475373}"/>
               </a:ext>
             </a:extLst>
           </p:cNvPr>
@@ -5955,24 +6591,13 @@
         </p:nvSpPr>
         <p:spPr/>
         <p:txBody>
-          <a:bodyPr>
-            <a:normAutofit fontScale="90000"/>
-          </a:bodyPr>
-          <a:lstStyle/>
-          <a:p>
-            <a:pPr algn="ctr"/>
-            <a:r>
-              <a:rPr lang="en-CA" sz="2800" dirty="0"/>
-              <a:t>Data Analysis: </a:t>
-            </a:r>
-            <a:br>
-              <a:rPr lang="en-CA" sz="2800" dirty="0"/>
-            </a:br>
-            <a:r>
-              <a:rPr lang="en-US" sz="2800" dirty="0"/>
-              <a:t>How many games did the Raptors score 12 or more 3 pointers during the 2016-2017 &amp; 2017-2018 season?</a:t>
-            </a:r>
-            <a:endParaRPr lang="en-CA" sz="2800" dirty="0"/>
+          <a:bodyPr/>
+          <a:lstStyle/>
+          <a:p>
+            <a:r>
+              <a:rPr lang="en-CA" dirty="0"/>
+              <a:t>Initial Findings:</a:t>
+            </a:r>
           </a:p>
         </p:txBody>
       </p:sp>
@@ -5981,7 +6606,7 @@
           <p:cNvPr id="3" name="Content Placeholder 2">
             <a:extLst>
               <a:ext uri="{FF2B5EF4-FFF2-40B4-BE49-F238E27FC236}">
-                <a16:creationId xmlns:a16="http://schemas.microsoft.com/office/drawing/2014/main" id="{41E86446-6D7D-4D10-9605-A560C6AB74E6}"/>
+                <a16:creationId xmlns:a16="http://schemas.microsoft.com/office/drawing/2014/main" id="{C828E194-8A74-4B15-9C36-B0A69E7B9C65}"/>
               </a:ext>
             </a:extLst>
           </p:cNvPr>
@@ -5997,14 +6622,38 @@
           <a:bodyPr/>
           <a:lstStyle/>
           <a:p>
-            <a:endParaRPr lang="en-CA" dirty="0"/>
+            <a:pPr marL="0" indent="0">
+              <a:buNone/>
+            </a:pPr>
+            <a:r>
+              <a:rPr lang="en-CA" dirty="0"/>
+              <a:t>2016-2017:</a:t>
+            </a:r>
+          </a:p>
+          <a:p>
+            <a:r>
+              <a:rPr lang="en-CA" dirty="0"/>
+              <a:t>The Raptors scored 12 or more 3 pointers in 18 games . </a:t>
+            </a:r>
+          </a:p>
+          <a:p>
+            <a:r>
+              <a:rPr lang="en-CA" dirty="0"/>
+              <a:t>Scored 813 total 3 pointers for the season.</a:t>
+            </a:r>
+          </a:p>
+          <a:p>
+            <a:r>
+              <a:rPr lang="en-CA" dirty="0"/>
+              <a:t>Scored an average of 35.98 % for every 3 pointer attempt made. </a:t>
+            </a:r>
           </a:p>
         </p:txBody>
       </p:sp>
     </p:spTree>
     <p:extLst>
       <p:ext uri="{BB962C8B-B14F-4D97-AF65-F5344CB8AC3E}">
-        <p14:creationId xmlns:p14="http://schemas.microsoft.com/office/powerpoint/2010/main" val="1277107431"/>
+        <p14:creationId xmlns:p14="http://schemas.microsoft.com/office/powerpoint/2010/main" val="3242664822"/>
       </p:ext>
     </p:extLst>
   </p:cSld>
@@ -6048,7 +6697,7 @@
           <p:cNvPr id="2" name="Title 1">
             <a:extLst>
               <a:ext uri="{FF2B5EF4-FFF2-40B4-BE49-F238E27FC236}">
-                <a16:creationId xmlns:a16="http://schemas.microsoft.com/office/drawing/2014/main" id="{1ACA749A-5A9F-46C0-80AA-C8ACDC05AE57}"/>
+                <a16:creationId xmlns:a16="http://schemas.microsoft.com/office/drawing/2014/main" id="{984C9A4B-EA90-47FC-AA16-77632ACC7E2F}"/>
               </a:ext>
             </a:extLst>
           </p:cNvPr>
@@ -6067,28 +6716,18 @@
           <a:lstStyle/>
           <a:p>
             <a:pPr algn="ctr"/>
+            <a:r>
+              <a:rPr lang="en-CA" sz="2800" dirty="0"/>
+              <a:t>Data Analysis: </a:t>
+            </a:r>
             <a:br>
-              <a:rPr lang="en-CA" dirty="0"/>
+              <a:rPr lang="en-CA" sz="2800" dirty="0"/>
             </a:br>
-            <a:br>
-              <a:rPr lang="en-CA" dirty="0"/>
-            </a:br>
-            <a:r>
-              <a:rPr lang="en-CA" sz="3100" dirty="0"/>
-              <a:t>Data Analysis:</a:t>
-            </a:r>
-            <a:br>
-              <a:rPr lang="en-CA" sz="3100" dirty="0"/>
-            </a:br>
-            <a:r>
-              <a:rPr lang="en-CA" sz="3100" dirty="0"/>
-              <a:t> Which players scored the most 3 pointers during the </a:t>
-            </a:r>
-            <a:r>
-              <a:rPr lang="en-US" sz="3100" dirty="0"/>
-              <a:t>2016-2017 &amp; 2017-2018 season?</a:t>
-            </a:r>
-            <a:endParaRPr lang="en-CA" dirty="0"/>
+            <a:r>
+              <a:rPr lang="en-US" sz="2800" dirty="0"/>
+              <a:t>How many games did the Raptors score 12 or more 3 pointers during the 2016-2017 &amp; 2017-2018 season?</a:t>
+            </a:r>
+            <a:endParaRPr lang="en-CA" sz="2800" dirty="0"/>
           </a:p>
         </p:txBody>
       </p:sp>
@@ -6097,7 +6736,7 @@
           <p:cNvPr id="3" name="Content Placeholder 2">
             <a:extLst>
               <a:ext uri="{FF2B5EF4-FFF2-40B4-BE49-F238E27FC236}">
-                <a16:creationId xmlns:a16="http://schemas.microsoft.com/office/drawing/2014/main" id="{4F3FF1D3-E9F7-417B-902A-9ECBE7F2DB19}"/>
+                <a16:creationId xmlns:a16="http://schemas.microsoft.com/office/drawing/2014/main" id="{41E86446-6D7D-4D10-9605-A560C6AB74E6}"/>
               </a:ext>
             </a:extLst>
           </p:cNvPr>
@@ -6120,7 +6759,7 @@
     </p:spTree>
     <p:extLst>
       <p:ext uri="{BB962C8B-B14F-4D97-AF65-F5344CB8AC3E}">
-        <p14:creationId xmlns:p14="http://schemas.microsoft.com/office/powerpoint/2010/main" val="4053378839"/>
+        <p14:creationId xmlns:p14="http://schemas.microsoft.com/office/powerpoint/2010/main" val="1277107431"/>
       </p:ext>
     </p:extLst>
   </p:cSld>
@@ -6164,7 +6803,7 @@
           <p:cNvPr id="2" name="Title 1">
             <a:extLst>
               <a:ext uri="{FF2B5EF4-FFF2-40B4-BE49-F238E27FC236}">
-                <a16:creationId xmlns:a16="http://schemas.microsoft.com/office/drawing/2014/main" id="{DD91277F-EF38-4B2D-BF01-E240DA25693B}"/>
+                <a16:creationId xmlns:a16="http://schemas.microsoft.com/office/drawing/2014/main" id="{1ACA749A-5A9F-46C0-80AA-C8ACDC05AE57}"/>
               </a:ext>
             </a:extLst>
           </p:cNvPr>
@@ -6178,47 +6817,75 @@
         <p:spPr/>
         <p:txBody>
           <a:bodyPr>
-            <a:normAutofit/>
+            <a:normAutofit fontScale="90000"/>
           </a:bodyPr>
           <a:lstStyle/>
           <a:p>
             <a:pPr algn="ctr"/>
-            <a:r>
-              <a:rPr lang="en-CA" sz="3200" dirty="0"/>
-              <a:t>How does the number of days off ‘Time Rested’, impact the number of 3 pointers per game?</a:t>
-            </a:r>
-          </a:p>
-        </p:txBody>
-      </p:sp>
-      <p:sp>
-        <p:nvSpPr>
-          <p:cNvPr id="3" name="Content Placeholder 2">
+            <a:br>
+              <a:rPr lang="en-CA" dirty="0"/>
+            </a:br>
+            <a:br>
+              <a:rPr lang="en-CA" dirty="0"/>
+            </a:br>
+            <a:r>
+              <a:rPr lang="en-CA" sz="3100" dirty="0"/>
+              <a:t>Data Analysis:</a:t>
+            </a:r>
+            <a:br>
+              <a:rPr lang="en-CA" sz="3100" dirty="0"/>
+            </a:br>
+            <a:r>
+              <a:rPr lang="en-CA" sz="3100" dirty="0"/>
+              <a:t> Which players scored the most 3 pointers during the </a:t>
+            </a:r>
+            <a:r>
+              <a:rPr lang="en-US" sz="3100" dirty="0"/>
+              <a:t>2016-2017 &amp; 2017-2018 season?</a:t>
+            </a:r>
+            <a:endParaRPr lang="en-CA" dirty="0"/>
+          </a:p>
+        </p:txBody>
+      </p:sp>
+      <p:pic>
+        <p:nvPicPr>
+          <p:cNvPr id="8" name="Content Placeholder 7" descr="A screenshot of a cell phone&#10;&#10;Description automatically generated">
             <a:extLst>
               <a:ext uri="{FF2B5EF4-FFF2-40B4-BE49-F238E27FC236}">
-                <a16:creationId xmlns:a16="http://schemas.microsoft.com/office/drawing/2014/main" id="{209626E6-EF08-438E-AAB5-BC01E18D8714}"/>
+                <a16:creationId xmlns:a16="http://schemas.microsoft.com/office/drawing/2014/main" id="{53D0839B-BF9B-45AE-B1FA-EB2AC0F631EF}"/>
               </a:ext>
             </a:extLst>
           </p:cNvPr>
-          <p:cNvSpPr>
-            <a:spLocks noGrp="1"/>
-          </p:cNvSpPr>
+          <p:cNvPicPr>
+            <a:picLocks noGrp="1" noChangeAspect="1"/>
+          </p:cNvPicPr>
           <p:nvPr>
             <p:ph idx="1"/>
           </p:nvPr>
-        </p:nvSpPr>
-        <p:spPr/>
-        <p:txBody>
-          <a:bodyPr/>
-          <a:lstStyle/>
-          <a:p>
-            <a:endParaRPr lang="en-CA" dirty="0"/>
-          </a:p>
-        </p:txBody>
-      </p:sp>
+        </p:nvPicPr>
+        <p:blipFill>
+          <a:blip r:embed="rId3">
+            <a:extLst>
+              <a:ext uri="{28A0092B-C50C-407E-A947-70E740481C1C}">
+                <a14:useLocalDpi xmlns:a14="http://schemas.microsoft.com/office/drawing/2010/main" val="0"/>
+              </a:ext>
+            </a:extLst>
+          </a:blip>
+          <a:stretch>
+            <a:fillRect/>
+          </a:stretch>
+        </p:blipFill>
+        <p:spPr>
+          <a:xfrm>
+            <a:off x="479376" y="2060848"/>
+            <a:ext cx="5487650" cy="3858389"/>
+          </a:xfrm>
+        </p:spPr>
+      </p:pic>
     </p:spTree>
     <p:extLst>
       <p:ext uri="{BB962C8B-B14F-4D97-AF65-F5344CB8AC3E}">
-        <p14:creationId xmlns:p14="http://schemas.microsoft.com/office/powerpoint/2010/main" val="3486512487"/>
+        <p14:creationId xmlns:p14="http://schemas.microsoft.com/office/powerpoint/2010/main" val="4053378839"/>
       </p:ext>
     </p:extLst>
   </p:cSld>
@@ -6262,7 +6929,7 @@
           <p:cNvPr id="2" name="Title 1">
             <a:extLst>
               <a:ext uri="{FF2B5EF4-FFF2-40B4-BE49-F238E27FC236}">
-                <a16:creationId xmlns:a16="http://schemas.microsoft.com/office/drawing/2014/main" id="{4D35EB83-6378-4485-9F29-FB8B9394DDDA}"/>
+                <a16:creationId xmlns:a16="http://schemas.microsoft.com/office/drawing/2014/main" id="{DD91277F-EF38-4B2D-BF01-E240DA25693B}"/>
               </a:ext>
             </a:extLst>
           </p:cNvPr>
@@ -6273,27 +6940,31 @@
             <p:ph type="title"/>
           </p:nvPr>
         </p:nvSpPr>
-        <p:spPr/>
-        <p:txBody>
-          <a:bodyPr>
+        <p:spPr>
+          <a:xfrm>
+            <a:off x="1066800" y="304800"/>
+            <a:ext cx="10058400" cy="1143000"/>
+          </a:xfrm>
+        </p:spPr>
+        <p:txBody>
+          <a:bodyPr anchor="b">
             <a:normAutofit/>
           </a:bodyPr>
           <a:lstStyle/>
           <a:p>
-            <a:pPr algn="ctr"/>
-            <a:r>
-              <a:rPr lang="en-CA" sz="3200" dirty="0"/>
-              <a:t>Did the Raptors score more 3 pointers at home or away games?</a:t>
-            </a:r>
-          </a:p>
-        </p:txBody>
-      </p:sp>
-      <p:sp>
-        <p:nvSpPr>
-          <p:cNvPr id="3" name="Content Placeholder 2">
+            <a:r>
+              <a:rPr lang="en-CA" dirty="0"/>
+              <a:t>How does the amount of ‘Time Rested’, impact the number of 3 pointers per game?</a:t>
+            </a:r>
+          </a:p>
+        </p:txBody>
+      </p:sp>
+      <p:sp>
+        <p:nvSpPr>
+          <p:cNvPr id="10" name="Content Placeholder 2">
             <a:extLst>
               <a:ext uri="{FF2B5EF4-FFF2-40B4-BE49-F238E27FC236}">
-                <a16:creationId xmlns:a16="http://schemas.microsoft.com/office/drawing/2014/main" id="{D6C44655-CFBE-4AE6-8C4C-EC9C9A6CB1AF}"/>
+                <a16:creationId xmlns:a16="http://schemas.microsoft.com/office/drawing/2014/main" id="{07EA366D-A1F2-4250-91B9-EF84B7897249}"/>
               </a:ext>
             </a:extLst>
           </p:cNvPr>
@@ -6301,22 +6972,63 @@
             <a:spLocks noGrp="1"/>
           </p:cNvSpPr>
           <p:nvPr>
-            <p:ph idx="1"/>
-          </p:nvPr>
-        </p:nvSpPr>
-        <p:spPr/>
+            <p:ph sz="half" idx="1"/>
+          </p:nvPr>
+        </p:nvSpPr>
+        <p:spPr>
+          <a:xfrm>
+            <a:off x="1066800" y="1676401"/>
+            <a:ext cx="4846320" cy="4343400"/>
+          </a:xfrm>
+        </p:spPr>
         <p:txBody>
           <a:bodyPr/>
           <a:lstStyle/>
           <a:p>
-            <a:endParaRPr lang="en-CA" dirty="0"/>
-          </a:p>
-        </p:txBody>
-      </p:sp>
+            <a:endParaRPr lang="en-US"/>
+          </a:p>
+        </p:txBody>
+      </p:sp>
+      <p:pic>
+        <p:nvPicPr>
+          <p:cNvPr id="5" name="Content Placeholder 4" descr="A picture containing umbrella&#10;&#10;Description automatically generated">
+            <a:extLst>
+              <a:ext uri="{FF2B5EF4-FFF2-40B4-BE49-F238E27FC236}">
+                <a16:creationId xmlns:a16="http://schemas.microsoft.com/office/drawing/2014/main" id="{4DF40C96-CFDD-4E73-85A4-44889AA358D3}"/>
+              </a:ext>
+            </a:extLst>
+          </p:cNvPr>
+          <p:cNvPicPr>
+            <a:picLocks noGrp="1" noChangeAspect="1"/>
+          </p:cNvPicPr>
+          <p:nvPr>
+            <p:ph sz="half" idx="2"/>
+          </p:nvPr>
+        </p:nvPicPr>
+        <p:blipFill>
+          <a:blip r:embed="rId2">
+            <a:extLst>
+              <a:ext uri="{28A0092B-C50C-407E-A947-70E740481C1C}">
+                <a14:useLocalDpi xmlns:a14="http://schemas.microsoft.com/office/drawing/2010/main" val="0"/>
+              </a:ext>
+            </a:extLst>
+          </a:blip>
+          <a:stretch>
+            <a:fillRect/>
+          </a:stretch>
+        </p:blipFill>
+        <p:spPr>
+          <a:xfrm>
+            <a:off x="6278880" y="2232661"/>
+            <a:ext cx="4846320" cy="3230879"/>
+          </a:xfrm>
+          <a:noFill/>
+        </p:spPr>
+      </p:pic>
     </p:spTree>
     <p:extLst>
       <p:ext uri="{BB962C8B-B14F-4D97-AF65-F5344CB8AC3E}">
-        <p14:creationId xmlns:p14="http://schemas.microsoft.com/office/powerpoint/2010/main" val="4157674910"/>
+        <p14:creationId xmlns:p14="http://schemas.microsoft.com/office/powerpoint/2010/main" val="3486512487"/>
       </p:ext>
     </p:extLst>
   </p:cSld>
